--- a/2025/Salvador/Explanatory material/camera_process.pptx
+++ b/2025/Salvador/Explanatory material/camera_process.pptx
@@ -111,7 +111,144 @@
       </a:defRPr>
     </a:lvl9pPr>
   </p:defaultTextStyle>
+  <p:extLst>
+    <p:ext uri="{EFAFB233-063F-42B5-8137-9DF3F51BA10A}">
+      <p15:sldGuideLst xmlns:p15="http://schemas.microsoft.com/office/powerpoint/2012/main"/>
+    </p:ext>
+  </p:extLst>
 </p:presentation>
+</file>
+
+<file path=ppt/revisionInfo.xml><?xml version="1.0" encoding="utf-8"?>
+<p1510:revInfo xmlns:a="http://schemas.openxmlformats.org/drawingml/2006/main" xmlns:r="http://schemas.openxmlformats.org/officeDocument/2006/relationships" xmlns:p1510="http://schemas.microsoft.com/office/powerpoint/2015/10/main">
+  <p1510:revLst>
+    <p1510:client id="{605DC148-8A6A-4ADD-AFE4-E167D0B65B11}" v="31" dt="2025-07-05T15:19:45.281"/>
+  </p1510:revLst>
+</p1510:revInfo>
+</file>
+
+<file path=ppt/changesInfos/changesInfo1.xml><?xml version="1.0" encoding="utf-8"?>
+<pc:chgInfo xmlns:a="http://schemas.openxmlformats.org/drawingml/2006/main" xmlns:r="http://schemas.openxmlformats.org/officeDocument/2006/relationships" xmlns:ac="http://schemas.microsoft.com/office/drawing/2013/main/command" xmlns:pc="http://schemas.microsoft.com/office/powerpoint/2013/main/command">
+  <pc:docChgLst>
+    <pc:chgData name="こうき すえひろ" userId="b0e17d1764f68991" providerId="LiveId" clId="{605DC148-8A6A-4ADD-AFE4-E167D0B65B11}"/>
+    <pc:docChg chg="modSld">
+      <pc:chgData name="こうき すえひろ" userId="b0e17d1764f68991" providerId="LiveId" clId="{605DC148-8A6A-4ADD-AFE4-E167D0B65B11}" dt="2025-07-05T15:19:45.280" v="30" actId="1076"/>
+      <pc:docMkLst>
+        <pc:docMk/>
+      </pc:docMkLst>
+      <pc:sldChg chg="addSp delSp modSp">
+        <pc:chgData name="こうき すえひろ" userId="b0e17d1764f68991" providerId="LiveId" clId="{605DC148-8A6A-4ADD-AFE4-E167D0B65B11}" dt="2025-07-05T15:19:45.280" v="30" actId="1076"/>
+        <pc:sldMkLst>
+          <pc:docMk/>
+          <pc:sldMk cId="1254269826" sldId="257"/>
+        </pc:sldMkLst>
+        <pc:picChg chg="add mod">
+          <ac:chgData name="こうき すえひろ" userId="b0e17d1764f68991" providerId="LiveId" clId="{605DC148-8A6A-4ADD-AFE4-E167D0B65B11}" dt="2025-07-05T15:19:45.280" v="30" actId="1076"/>
+          <ac:picMkLst>
+            <pc:docMk/>
+            <pc:sldMk cId="1254269826" sldId="257"/>
+            <ac:picMk id="2" creationId="{EAE19CB6-A467-0F24-2D91-1A4A756D02E5}"/>
+          </ac:picMkLst>
+        </pc:picChg>
+        <pc:picChg chg="add del mod">
+          <ac:chgData name="こうき すえひろ" userId="b0e17d1764f68991" providerId="LiveId" clId="{605DC148-8A6A-4ADD-AFE4-E167D0B65B11}" dt="2025-07-05T15:16:10.287" v="20" actId="478"/>
+          <ac:picMkLst>
+            <pc:docMk/>
+            <pc:sldMk cId="1254269826" sldId="257"/>
+            <ac:picMk id="3" creationId="{29CFD3A3-728D-AA7C-2EAB-0D1D8C036EFB}"/>
+          </ac:picMkLst>
+        </pc:picChg>
+        <pc:picChg chg="add del mod">
+          <ac:chgData name="こうき すえひろ" userId="b0e17d1764f68991" providerId="LiveId" clId="{605DC148-8A6A-4ADD-AFE4-E167D0B65B11}" dt="2025-07-05T15:16:09.465" v="19" actId="478"/>
+          <ac:picMkLst>
+            <pc:docMk/>
+            <pc:sldMk cId="1254269826" sldId="257"/>
+            <ac:picMk id="5" creationId="{888C429D-E939-1CC1-09A4-404E88FB648A}"/>
+          </ac:picMkLst>
+        </pc:picChg>
+        <pc:picChg chg="add del mod">
+          <ac:chgData name="こうき すえひろ" userId="b0e17d1764f68991" providerId="LiveId" clId="{605DC148-8A6A-4ADD-AFE4-E167D0B65B11}" dt="2025-07-05T15:16:08.683" v="18" actId="478"/>
+          <ac:picMkLst>
+            <pc:docMk/>
+            <pc:sldMk cId="1254269826" sldId="257"/>
+            <ac:picMk id="6" creationId="{22A21DC0-96DC-8391-42E0-235FBAAE17A8}"/>
+          </ac:picMkLst>
+        </pc:picChg>
+        <pc:picChg chg="add del mod">
+          <ac:chgData name="こうき すえひろ" userId="b0e17d1764f68991" providerId="LiveId" clId="{605DC148-8A6A-4ADD-AFE4-E167D0B65B11}" dt="2025-07-05T15:16:05.766" v="17" actId="478"/>
+          <ac:picMkLst>
+            <pc:docMk/>
+            <pc:sldMk cId="1254269826" sldId="257"/>
+            <ac:picMk id="7" creationId="{C8401CB8-F71E-5049-C8AB-4F0E24BCCC05}"/>
+          </ac:picMkLst>
+        </pc:picChg>
+        <pc:picChg chg="add del mod">
+          <ac:chgData name="こうき すえひろ" userId="b0e17d1764f68991" providerId="LiveId" clId="{605DC148-8A6A-4ADD-AFE4-E167D0B65B11}" dt="2025-07-05T15:16:05.053" v="16" actId="478"/>
+          <ac:picMkLst>
+            <pc:docMk/>
+            <pc:sldMk cId="1254269826" sldId="257"/>
+            <ac:picMk id="8" creationId="{5C88CA13-7077-6A15-83C2-0DBD334FAFA3}"/>
+          </ac:picMkLst>
+        </pc:picChg>
+        <pc:picChg chg="add del mod">
+          <ac:chgData name="こうき すえひろ" userId="b0e17d1764f68991" providerId="LiveId" clId="{605DC148-8A6A-4ADD-AFE4-E167D0B65B11}" dt="2025-07-05T15:16:02.235" v="15" actId="478"/>
+          <ac:picMkLst>
+            <pc:docMk/>
+            <pc:sldMk cId="1254269826" sldId="257"/>
+            <ac:picMk id="9" creationId="{3661543F-B6A8-05B0-41B5-46290CA9D2D0}"/>
+          </ac:picMkLst>
+        </pc:picChg>
+        <pc:picChg chg="add del mod">
+          <ac:chgData name="こうき すえひろ" userId="b0e17d1764f68991" providerId="LiveId" clId="{605DC148-8A6A-4ADD-AFE4-E167D0B65B11}" dt="2025-07-05T15:15:59.228" v="14" actId="478"/>
+          <ac:picMkLst>
+            <pc:docMk/>
+            <pc:sldMk cId="1254269826" sldId="257"/>
+            <ac:picMk id="10" creationId="{15C3761C-950D-57B0-D2DB-7F36695CFCF5}"/>
+          </ac:picMkLst>
+        </pc:picChg>
+        <pc:picChg chg="add del mod">
+          <ac:chgData name="こうき すえひろ" userId="b0e17d1764f68991" providerId="LiveId" clId="{605DC148-8A6A-4ADD-AFE4-E167D0B65B11}" dt="2025-07-05T15:15:56.589" v="13" actId="478"/>
+          <ac:picMkLst>
+            <pc:docMk/>
+            <pc:sldMk cId="1254269826" sldId="257"/>
+            <ac:picMk id="11" creationId="{52008EBC-0616-D33E-016A-5412F07D8889}"/>
+          </ac:picMkLst>
+        </pc:picChg>
+        <pc:picChg chg="add del mod">
+          <ac:chgData name="こうき すえひろ" userId="b0e17d1764f68991" providerId="LiveId" clId="{605DC148-8A6A-4ADD-AFE4-E167D0B65B11}" dt="2025-07-05T15:15:53.485" v="12" actId="478"/>
+          <ac:picMkLst>
+            <pc:docMk/>
+            <pc:sldMk cId="1254269826" sldId="257"/>
+            <ac:picMk id="12" creationId="{77A10984-BF46-F0D7-8050-3CDF6B14EEA7}"/>
+          </ac:picMkLst>
+        </pc:picChg>
+      </pc:sldChg>
+      <pc:sldChg chg="addSp modSp">
+        <pc:chgData name="こうき すえひろ" userId="b0e17d1764f68991" providerId="LiveId" clId="{605DC148-8A6A-4ADD-AFE4-E167D0B65B11}" dt="2025-07-05T15:15:25.632" v="3"/>
+        <pc:sldMkLst>
+          <pc:docMk/>
+          <pc:sldMk cId="3548605497" sldId="258"/>
+        </pc:sldMkLst>
+        <pc:picChg chg="add mod">
+          <ac:chgData name="こうき すえひろ" userId="b0e17d1764f68991" providerId="LiveId" clId="{605DC148-8A6A-4ADD-AFE4-E167D0B65B11}" dt="2025-07-05T15:15:23.493" v="2"/>
+          <ac:picMkLst>
+            <pc:docMk/>
+            <pc:sldMk cId="3548605497" sldId="258"/>
+            <ac:picMk id="2" creationId="{315A16AA-B55F-C747-DBE1-2D5AA2CEE9A0}"/>
+          </ac:picMkLst>
+        </pc:picChg>
+        <pc:picChg chg="add mod">
+          <ac:chgData name="こうき すえひろ" userId="b0e17d1764f68991" providerId="LiveId" clId="{605DC148-8A6A-4ADD-AFE4-E167D0B65B11}" dt="2025-07-05T15:15:25.632" v="3"/>
+          <ac:picMkLst>
+            <pc:docMk/>
+            <pc:sldMk cId="3548605497" sldId="258"/>
+            <ac:picMk id="3" creationId="{1CE21D50-7FD6-4170-C22F-A0DC3CCFCCF5}"/>
+          </ac:picMkLst>
+        </pc:picChg>
+      </pc:sldChg>
+    </pc:docChg>
+  </pc:docChgLst>
+</pc:chgInfo>
 </file>
 
 <file path=ppt/slideLayouts/slideLayout1.xml><?xml version="1.0" encoding="utf-8"?>
@@ -261,7 +398,7 @@
           <a:p>
             <a:fld id="{64DEBE9F-9059-484C-B0B2-1AEDFC02F443}" type="datetimeFigureOut">
               <a:rPr kumimoji="1" lang="ja-JP" altLang="en-US" smtClean="0"/>
-              <a:t>2025/7/5</a:t>
+              <a:t>2025/7/6</a:t>
             </a:fld>
             <a:endParaRPr kumimoji="1" lang="ja-JP" altLang="en-US"/>
           </a:p>
@@ -491,7 +628,7 @@
           <a:p>
             <a:fld id="{64DEBE9F-9059-484C-B0B2-1AEDFC02F443}" type="datetimeFigureOut">
               <a:rPr kumimoji="1" lang="ja-JP" altLang="en-US" smtClean="0"/>
-              <a:t>2025/7/5</a:t>
+              <a:t>2025/7/6</a:t>
             </a:fld>
             <a:endParaRPr kumimoji="1" lang="ja-JP" altLang="en-US"/>
           </a:p>
@@ -731,7 +868,7 @@
           <a:p>
             <a:fld id="{64DEBE9F-9059-484C-B0B2-1AEDFC02F443}" type="datetimeFigureOut">
               <a:rPr kumimoji="1" lang="ja-JP" altLang="en-US" smtClean="0"/>
-              <a:t>2025/7/5</a:t>
+              <a:t>2025/7/6</a:t>
             </a:fld>
             <a:endParaRPr kumimoji="1" lang="ja-JP" altLang="en-US"/>
           </a:p>
@@ -961,7 +1098,7 @@
           <a:p>
             <a:fld id="{64DEBE9F-9059-484C-B0B2-1AEDFC02F443}" type="datetimeFigureOut">
               <a:rPr kumimoji="1" lang="ja-JP" altLang="en-US" smtClean="0"/>
-              <a:t>2025/7/5</a:t>
+              <a:t>2025/7/6</a:t>
             </a:fld>
             <a:endParaRPr kumimoji="1" lang="ja-JP" altLang="en-US"/>
           </a:p>
@@ -1236,7 +1373,7 @@
           <a:p>
             <a:fld id="{64DEBE9F-9059-484C-B0B2-1AEDFC02F443}" type="datetimeFigureOut">
               <a:rPr kumimoji="1" lang="ja-JP" altLang="en-US" smtClean="0"/>
-              <a:t>2025/7/5</a:t>
+              <a:t>2025/7/6</a:t>
             </a:fld>
             <a:endParaRPr kumimoji="1" lang="ja-JP" altLang="en-US"/>
           </a:p>
@@ -1565,7 +1702,7 @@
           <a:p>
             <a:fld id="{64DEBE9F-9059-484C-B0B2-1AEDFC02F443}" type="datetimeFigureOut">
               <a:rPr kumimoji="1" lang="ja-JP" altLang="en-US" smtClean="0"/>
-              <a:t>2025/7/5</a:t>
+              <a:t>2025/7/6</a:t>
             </a:fld>
             <a:endParaRPr kumimoji="1" lang="ja-JP" altLang="en-US"/>
           </a:p>
@@ -2041,7 +2178,7 @@
           <a:p>
             <a:fld id="{64DEBE9F-9059-484C-B0B2-1AEDFC02F443}" type="datetimeFigureOut">
               <a:rPr kumimoji="1" lang="ja-JP" altLang="en-US" smtClean="0"/>
-              <a:t>2025/7/5</a:t>
+              <a:t>2025/7/6</a:t>
             </a:fld>
             <a:endParaRPr kumimoji="1" lang="ja-JP" altLang="en-US"/>
           </a:p>
@@ -2182,7 +2319,7 @@
           <a:p>
             <a:fld id="{64DEBE9F-9059-484C-B0B2-1AEDFC02F443}" type="datetimeFigureOut">
               <a:rPr kumimoji="1" lang="ja-JP" altLang="en-US" smtClean="0"/>
-              <a:t>2025/7/5</a:t>
+              <a:t>2025/7/6</a:t>
             </a:fld>
             <a:endParaRPr kumimoji="1" lang="ja-JP" altLang="en-US"/>
           </a:p>
@@ -2295,7 +2432,7 @@
           <a:p>
             <a:fld id="{64DEBE9F-9059-484C-B0B2-1AEDFC02F443}" type="datetimeFigureOut">
               <a:rPr kumimoji="1" lang="ja-JP" altLang="en-US" smtClean="0"/>
-              <a:t>2025/7/5</a:t>
+              <a:t>2025/7/6</a:t>
             </a:fld>
             <a:endParaRPr kumimoji="1" lang="ja-JP" altLang="en-US"/>
           </a:p>
@@ -2638,7 +2775,7 @@
           <a:p>
             <a:fld id="{64DEBE9F-9059-484C-B0B2-1AEDFC02F443}" type="datetimeFigureOut">
               <a:rPr kumimoji="1" lang="ja-JP" altLang="en-US" smtClean="0"/>
-              <a:t>2025/7/5</a:t>
+              <a:t>2025/7/6</a:t>
             </a:fld>
             <a:endParaRPr kumimoji="1" lang="ja-JP" altLang="en-US"/>
           </a:p>
@@ -2926,7 +3063,7 @@
           <a:p>
             <a:fld id="{64DEBE9F-9059-484C-B0B2-1AEDFC02F443}" type="datetimeFigureOut">
               <a:rPr kumimoji="1" lang="ja-JP" altLang="en-US" smtClean="0"/>
-              <a:t>2025/7/5</a:t>
+              <a:t>2025/7/6</a:t>
             </a:fld>
             <a:endParaRPr kumimoji="1" lang="ja-JP" altLang="en-US"/>
           </a:p>
@@ -3199,7 +3336,7 @@
           <a:p>
             <a:fld id="{64DEBE9F-9059-484C-B0B2-1AEDFC02F443}" type="datetimeFigureOut">
               <a:rPr kumimoji="1" lang="ja-JP" altLang="en-US" smtClean="0"/>
-              <a:t>2025/7/5</a:t>
+              <a:t>2025/7/6</a:t>
             </a:fld>
             <a:endParaRPr kumimoji="1" lang="ja-JP" altLang="en-US"/>
           </a:p>
@@ -3893,6 +4030,53 @@
           </a:p>
         </p:txBody>
       </p:sp>
+      <p:pic>
+        <p:nvPicPr>
+          <p:cNvPr id="2" name="Picture 6">
+            <a:extLst>
+              <a:ext uri="{FF2B5EF4-FFF2-40B4-BE49-F238E27FC236}">
+                <a16:creationId xmlns:a16="http://schemas.microsoft.com/office/drawing/2014/main" id="{EAE19CB6-A467-0F24-2D91-1A4A756D02E5}"/>
+              </a:ext>
+            </a:extLst>
+          </p:cNvPr>
+          <p:cNvPicPr>
+            <a:picLocks noChangeAspect="1" noChangeArrowheads="1"/>
+          </p:cNvPicPr>
+          <p:nvPr/>
+        </p:nvPicPr>
+        <p:blipFill>
+          <a:blip r:embed="rId2">
+            <a:extLst>
+              <a:ext uri="{28A0092B-C50C-407E-A947-70E740481C1C}">
+                <a14:useLocalDpi xmlns:a14="http://schemas.microsoft.com/office/drawing/2010/main" val="0"/>
+              </a:ext>
+            </a:extLst>
+          </a:blip>
+          <a:srcRect/>
+          <a:stretch>
+            <a:fillRect/>
+          </a:stretch>
+        </p:blipFill>
+        <p:spPr bwMode="auto">
+          <a:xfrm>
+            <a:off x="1739118" y="1863041"/>
+            <a:ext cx="3749878" cy="2895831"/>
+          </a:xfrm>
+          <a:prstGeom prst="rect">
+            <a:avLst/>
+          </a:prstGeom>
+          <a:noFill/>
+          <a:extLst>
+            <a:ext uri="{909E8E84-426E-40DD-AFC4-6F175D3DCCD1}">
+              <a14:hiddenFill xmlns:a14="http://schemas.microsoft.com/office/drawing/2010/main">
+                <a:solidFill>
+                  <a:srgbClr val="FFFFFF"/>
+                </a:solidFill>
+              </a14:hiddenFill>
+            </a:ext>
+          </a:extLst>
+        </p:spPr>
+      </p:pic>
     </p:spTree>
     <p:extLst>
       <p:ext uri="{BB962C8B-B14F-4D97-AF65-F5344CB8AC3E}">
@@ -3965,6 +4149,100 @@
           </a:p>
         </p:txBody>
       </p:sp>
+      <p:pic>
+        <p:nvPicPr>
+          <p:cNvPr id="2" name="Picture 6">
+            <a:extLst>
+              <a:ext uri="{FF2B5EF4-FFF2-40B4-BE49-F238E27FC236}">
+                <a16:creationId xmlns:a16="http://schemas.microsoft.com/office/drawing/2014/main" id="{315A16AA-B55F-C747-DBE1-2D5AA2CEE9A0}"/>
+              </a:ext>
+            </a:extLst>
+          </p:cNvPr>
+          <p:cNvPicPr>
+            <a:picLocks noChangeAspect="1" noChangeArrowheads="1"/>
+          </p:cNvPicPr>
+          <p:nvPr/>
+        </p:nvPicPr>
+        <p:blipFill>
+          <a:blip r:embed="rId2">
+            <a:extLst>
+              <a:ext uri="{28A0092B-C50C-407E-A947-70E740481C1C}">
+                <a14:useLocalDpi xmlns:a14="http://schemas.microsoft.com/office/drawing/2010/main" val="0"/>
+              </a:ext>
+            </a:extLst>
+          </a:blip>
+          <a:srcRect/>
+          <a:stretch>
+            <a:fillRect/>
+          </a:stretch>
+        </p:blipFill>
+        <p:spPr bwMode="auto">
+          <a:xfrm>
+            <a:off x="10022591" y="10726718"/>
+            <a:ext cx="1645150" cy="1270462"/>
+          </a:xfrm>
+          <a:prstGeom prst="rect">
+            <a:avLst/>
+          </a:prstGeom>
+          <a:noFill/>
+          <a:extLst>
+            <a:ext uri="{909E8E84-426E-40DD-AFC4-6F175D3DCCD1}">
+              <a14:hiddenFill xmlns:a14="http://schemas.microsoft.com/office/drawing/2010/main">
+                <a:solidFill>
+                  <a:srgbClr val="FFFFFF"/>
+                </a:solidFill>
+              </a14:hiddenFill>
+            </a:ext>
+          </a:extLst>
+        </p:spPr>
+      </p:pic>
+      <p:pic>
+        <p:nvPicPr>
+          <p:cNvPr id="3" name="Picture 6">
+            <a:extLst>
+              <a:ext uri="{FF2B5EF4-FFF2-40B4-BE49-F238E27FC236}">
+                <a16:creationId xmlns:a16="http://schemas.microsoft.com/office/drawing/2014/main" id="{1CE21D50-7FD6-4170-C22F-A0DC3CCFCCF5}"/>
+              </a:ext>
+            </a:extLst>
+          </p:cNvPr>
+          <p:cNvPicPr>
+            <a:picLocks noChangeAspect="1" noChangeArrowheads="1"/>
+          </p:cNvPicPr>
+          <p:nvPr/>
+        </p:nvPicPr>
+        <p:blipFill>
+          <a:blip r:embed="rId2">
+            <a:extLst>
+              <a:ext uri="{28A0092B-C50C-407E-A947-70E740481C1C}">
+                <a14:useLocalDpi xmlns:a14="http://schemas.microsoft.com/office/drawing/2010/main" val="0"/>
+              </a:ext>
+            </a:extLst>
+          </a:blip>
+          <a:srcRect/>
+          <a:stretch>
+            <a:fillRect/>
+          </a:stretch>
+        </p:blipFill>
+        <p:spPr bwMode="auto">
+          <a:xfrm>
+            <a:off x="10174991" y="10879118"/>
+            <a:ext cx="1645150" cy="1270462"/>
+          </a:xfrm>
+          <a:prstGeom prst="rect">
+            <a:avLst/>
+          </a:prstGeom>
+          <a:noFill/>
+          <a:extLst>
+            <a:ext uri="{909E8E84-426E-40DD-AFC4-6F175D3DCCD1}">
+              <a14:hiddenFill xmlns:a14="http://schemas.microsoft.com/office/drawing/2010/main">
+                <a:solidFill>
+                  <a:srgbClr val="FFFFFF"/>
+                </a:solidFill>
+              </a14:hiddenFill>
+            </a:ext>
+          </a:extLst>
+        </p:spPr>
+      </p:pic>
     </p:spTree>
     <p:extLst>
       <p:ext uri="{BB962C8B-B14F-4D97-AF65-F5344CB8AC3E}">
